--- a/Presentazione.pptx
+++ b/Presentazione.pptx
@@ -10,9 +10,9 @@
     <p:sldId id="258" r:id="rId4"/>
     <p:sldId id="259" r:id="rId5"/>
     <p:sldId id="260" r:id="rId6"/>
-    <p:sldId id="261" r:id="rId7"/>
-    <p:sldId id="262" r:id="rId8"/>
-    <p:sldId id="263" r:id="rId9"/>
+    <p:sldId id="263" r:id="rId7"/>
+    <p:sldId id="261" r:id="rId8"/>
+    <p:sldId id="262" r:id="rId9"/>
   </p:sldIdLst>
   <p:sldSz cx="12192000" cy="6858000"/>
   <p:notesSz cx="6858000" cy="9144000"/>
@@ -111,6 +111,11 @@
       </a:defRPr>
     </a:lvl9pPr>
   </p:defaultTextStyle>
+  <p:extLst>
+    <p:ext uri="{EFAFB233-063F-42B5-8137-9DF3F51BA10A}">
+      <p15:sldGuideLst xmlns:p15="http://schemas.microsoft.com/office/powerpoint/2012/main"/>
+    </p:ext>
+  </p:extLst>
 </p:presentation>
 </file>
 
@@ -261,7 +266,7 @@
           <a:p>
             <a:fld id="{B1C8C159-EB26-40F2-AE37-9C4E6A1A00F5}" type="datetimeFigureOut">
               <a:rPr lang="it-IT" smtClean="0"/>
-              <a:t>13/07/2020</a:t>
+              <a:t>13/07/20</a:t>
             </a:fld>
             <a:endParaRPr lang="it-IT"/>
           </a:p>
@@ -315,7 +320,7 @@
           <a:p>
             <a:fld id="{1F1D8AED-DFB1-495C-8813-B9E4C01CFBA1}" type="slidenum">
               <a:rPr lang="it-IT" smtClean="0"/>
-              <a:t>‹N›</a:t>
+              <a:t>‹#›</a:t>
             </a:fld>
             <a:endParaRPr lang="it-IT"/>
           </a:p>
@@ -459,7 +464,7 @@
           <a:p>
             <a:fld id="{B1C8C159-EB26-40F2-AE37-9C4E6A1A00F5}" type="datetimeFigureOut">
               <a:rPr lang="it-IT" smtClean="0"/>
-              <a:t>13/07/2020</a:t>
+              <a:t>13/07/20</a:t>
             </a:fld>
             <a:endParaRPr lang="it-IT"/>
           </a:p>
@@ -513,7 +518,7 @@
           <a:p>
             <a:fld id="{1F1D8AED-DFB1-495C-8813-B9E4C01CFBA1}" type="slidenum">
               <a:rPr lang="it-IT" smtClean="0"/>
-              <a:t>‹N›</a:t>
+              <a:t>‹#›</a:t>
             </a:fld>
             <a:endParaRPr lang="it-IT"/>
           </a:p>
@@ -667,7 +672,7 @@
           <a:p>
             <a:fld id="{B1C8C159-EB26-40F2-AE37-9C4E6A1A00F5}" type="datetimeFigureOut">
               <a:rPr lang="it-IT" smtClean="0"/>
-              <a:t>13/07/2020</a:t>
+              <a:t>13/07/20</a:t>
             </a:fld>
             <a:endParaRPr lang="it-IT"/>
           </a:p>
@@ -721,7 +726,7 @@
           <a:p>
             <a:fld id="{1F1D8AED-DFB1-495C-8813-B9E4C01CFBA1}" type="slidenum">
               <a:rPr lang="it-IT" smtClean="0"/>
-              <a:t>‹N›</a:t>
+              <a:t>‹#›</a:t>
             </a:fld>
             <a:endParaRPr lang="it-IT"/>
           </a:p>
@@ -865,7 +870,7 @@
           <a:p>
             <a:fld id="{B1C8C159-EB26-40F2-AE37-9C4E6A1A00F5}" type="datetimeFigureOut">
               <a:rPr lang="it-IT" smtClean="0"/>
-              <a:t>13/07/2020</a:t>
+              <a:t>13/07/20</a:t>
             </a:fld>
             <a:endParaRPr lang="it-IT"/>
           </a:p>
@@ -919,7 +924,7 @@
           <a:p>
             <a:fld id="{1F1D8AED-DFB1-495C-8813-B9E4C01CFBA1}" type="slidenum">
               <a:rPr lang="it-IT" smtClean="0"/>
-              <a:t>‹N›</a:t>
+              <a:t>‹#›</a:t>
             </a:fld>
             <a:endParaRPr lang="it-IT"/>
           </a:p>
@@ -1140,7 +1145,7 @@
           <a:p>
             <a:fld id="{B1C8C159-EB26-40F2-AE37-9C4E6A1A00F5}" type="datetimeFigureOut">
               <a:rPr lang="it-IT" smtClean="0"/>
-              <a:t>13/07/2020</a:t>
+              <a:t>13/07/20</a:t>
             </a:fld>
             <a:endParaRPr lang="it-IT"/>
           </a:p>
@@ -1194,7 +1199,7 @@
           <a:p>
             <a:fld id="{1F1D8AED-DFB1-495C-8813-B9E4C01CFBA1}" type="slidenum">
               <a:rPr lang="it-IT" smtClean="0"/>
-              <a:t>‹N›</a:t>
+              <a:t>‹#›</a:t>
             </a:fld>
             <a:endParaRPr lang="it-IT"/>
           </a:p>
@@ -1405,7 +1410,7 @@
           <a:p>
             <a:fld id="{B1C8C159-EB26-40F2-AE37-9C4E6A1A00F5}" type="datetimeFigureOut">
               <a:rPr lang="it-IT" smtClean="0"/>
-              <a:t>13/07/2020</a:t>
+              <a:t>13/07/20</a:t>
             </a:fld>
             <a:endParaRPr lang="it-IT"/>
           </a:p>
@@ -1459,7 +1464,7 @@
           <a:p>
             <a:fld id="{1F1D8AED-DFB1-495C-8813-B9E4C01CFBA1}" type="slidenum">
               <a:rPr lang="it-IT" smtClean="0"/>
-              <a:t>‹N›</a:t>
+              <a:t>‹#›</a:t>
             </a:fld>
             <a:endParaRPr lang="it-IT"/>
           </a:p>
@@ -1817,7 +1822,7 @@
           <a:p>
             <a:fld id="{B1C8C159-EB26-40F2-AE37-9C4E6A1A00F5}" type="datetimeFigureOut">
               <a:rPr lang="it-IT" smtClean="0"/>
-              <a:t>13/07/2020</a:t>
+              <a:t>13/07/20</a:t>
             </a:fld>
             <a:endParaRPr lang="it-IT"/>
           </a:p>
@@ -1871,7 +1876,7 @@
           <a:p>
             <a:fld id="{1F1D8AED-DFB1-495C-8813-B9E4C01CFBA1}" type="slidenum">
               <a:rPr lang="it-IT" smtClean="0"/>
-              <a:t>‹N›</a:t>
+              <a:t>‹#›</a:t>
             </a:fld>
             <a:endParaRPr lang="it-IT"/>
           </a:p>
@@ -1958,7 +1963,7 @@
           <a:p>
             <a:fld id="{B1C8C159-EB26-40F2-AE37-9C4E6A1A00F5}" type="datetimeFigureOut">
               <a:rPr lang="it-IT" smtClean="0"/>
-              <a:t>13/07/2020</a:t>
+              <a:t>13/07/20</a:t>
             </a:fld>
             <a:endParaRPr lang="it-IT"/>
           </a:p>
@@ -2012,7 +2017,7 @@
           <a:p>
             <a:fld id="{1F1D8AED-DFB1-495C-8813-B9E4C01CFBA1}" type="slidenum">
               <a:rPr lang="it-IT" smtClean="0"/>
-              <a:t>‹N›</a:t>
+              <a:t>‹#›</a:t>
             </a:fld>
             <a:endParaRPr lang="it-IT"/>
           </a:p>
@@ -2071,7 +2076,7 @@
           <a:p>
             <a:fld id="{B1C8C159-EB26-40F2-AE37-9C4E6A1A00F5}" type="datetimeFigureOut">
               <a:rPr lang="it-IT" smtClean="0"/>
-              <a:t>13/07/2020</a:t>
+              <a:t>13/07/20</a:t>
             </a:fld>
             <a:endParaRPr lang="it-IT"/>
           </a:p>
@@ -2125,7 +2130,7 @@
           <a:p>
             <a:fld id="{1F1D8AED-DFB1-495C-8813-B9E4C01CFBA1}" type="slidenum">
               <a:rPr lang="it-IT" smtClean="0"/>
-              <a:t>‹N›</a:t>
+              <a:t>‹#›</a:t>
             </a:fld>
             <a:endParaRPr lang="it-IT"/>
           </a:p>
@@ -2382,7 +2387,7 @@
           <a:p>
             <a:fld id="{B1C8C159-EB26-40F2-AE37-9C4E6A1A00F5}" type="datetimeFigureOut">
               <a:rPr lang="it-IT" smtClean="0"/>
-              <a:t>13/07/2020</a:t>
+              <a:t>13/07/20</a:t>
             </a:fld>
             <a:endParaRPr lang="it-IT"/>
           </a:p>
@@ -2436,7 +2441,7 @@
           <a:p>
             <a:fld id="{1F1D8AED-DFB1-495C-8813-B9E4C01CFBA1}" type="slidenum">
               <a:rPr lang="it-IT" smtClean="0"/>
-              <a:t>‹N›</a:t>
+              <a:t>‹#›</a:t>
             </a:fld>
             <a:endParaRPr lang="it-IT"/>
           </a:p>
@@ -2670,7 +2675,7 @@
           <a:p>
             <a:fld id="{B1C8C159-EB26-40F2-AE37-9C4E6A1A00F5}" type="datetimeFigureOut">
               <a:rPr lang="it-IT" smtClean="0"/>
-              <a:t>13/07/2020</a:t>
+              <a:t>13/07/20</a:t>
             </a:fld>
             <a:endParaRPr lang="it-IT"/>
           </a:p>
@@ -2724,7 +2729,7 @@
           <a:p>
             <a:fld id="{1F1D8AED-DFB1-495C-8813-B9E4C01CFBA1}" type="slidenum">
               <a:rPr lang="it-IT" smtClean="0"/>
-              <a:t>‹N›</a:t>
+              <a:t>‹#›</a:t>
             </a:fld>
             <a:endParaRPr lang="it-IT"/>
           </a:p>
@@ -2911,7 +2916,7 @@
           <a:p>
             <a:fld id="{B1C8C159-EB26-40F2-AE37-9C4E6A1A00F5}" type="datetimeFigureOut">
               <a:rPr lang="it-IT" smtClean="0"/>
-              <a:t>13/07/2020</a:t>
+              <a:t>13/07/20</a:t>
             </a:fld>
             <a:endParaRPr lang="it-IT"/>
           </a:p>
@@ -3001,7 +3006,7 @@
           <a:p>
             <a:fld id="{1F1D8AED-DFB1-495C-8813-B9E4C01CFBA1}" type="slidenum">
               <a:rPr lang="it-IT" smtClean="0"/>
-              <a:t>‹N›</a:t>
+              <a:t>‹#›</a:t>
             </a:fld>
             <a:endParaRPr lang="it-IT"/>
           </a:p>
@@ -3663,6 +3668,72 @@
           <p:cNvPr id="3" name="Immagine 2" descr="Immagine che contiene screenshot&#10;&#10;Descrizione generata automaticamente">
             <a:extLst>
               <a:ext uri="{FF2B5EF4-FFF2-40B4-BE49-F238E27FC236}">
+                <a16:creationId xmlns:a16="http://schemas.microsoft.com/office/drawing/2014/main" id="{EC5DE5D8-B18F-4AE6-B701-1BB294A94478}"/>
+              </a:ext>
+            </a:extLst>
+          </p:cNvPr>
+          <p:cNvPicPr>
+            <a:picLocks noChangeAspect="1"/>
+          </p:cNvPicPr>
+          <p:nvPr/>
+        </p:nvPicPr>
+        <p:blipFill>
+          <a:blip r:embed="rId2">
+            <a:extLst>
+              <a:ext uri="{28A0092B-C50C-407E-A947-70E740481C1C}">
+                <a14:useLocalDpi xmlns:a14="http://schemas.microsoft.com/office/drawing/2010/main" val="0"/>
+              </a:ext>
+            </a:extLst>
+          </a:blip>
+          <a:stretch>
+            <a:fillRect/>
+          </a:stretch>
+        </p:blipFill>
+        <p:spPr>
+          <a:xfrm>
+            <a:off x="0" y="0"/>
+            <a:ext cx="12192000" cy="6858000"/>
+          </a:xfrm>
+          <a:prstGeom prst="rect">
+            <a:avLst/>
+          </a:prstGeom>
+        </p:spPr>
+      </p:pic>
+    </p:spTree>
+    <p:extLst>
+      <p:ext uri="{BB962C8B-B14F-4D97-AF65-F5344CB8AC3E}">
+        <p14:creationId xmlns:p14="http://schemas.microsoft.com/office/powerpoint/2010/main" val="2661278174"/>
+      </p:ext>
+    </p:extLst>
+  </p:cSld>
+  <p:clrMapOvr>
+    <a:masterClrMapping/>
+  </p:clrMapOvr>
+</p:sld>
+</file>
+
+<file path=ppt/slides/slide7.xml><?xml version="1.0" encoding="utf-8"?>
+<p:sld xmlns:a="http://schemas.openxmlformats.org/drawingml/2006/main" xmlns:r="http://schemas.openxmlformats.org/officeDocument/2006/relationships" xmlns:p="http://schemas.openxmlformats.org/presentationml/2006/main">
+  <p:cSld>
+    <p:spTree>
+      <p:nvGrpSpPr>
+        <p:cNvPr id="1" name=""/>
+        <p:cNvGrpSpPr/>
+        <p:nvPr/>
+      </p:nvGrpSpPr>
+      <p:grpSpPr>
+        <a:xfrm>
+          <a:off x="0" y="0"/>
+          <a:ext cx="0" cy="0"/>
+          <a:chOff x="0" y="0"/>
+          <a:chExt cx="0" cy="0"/>
+        </a:xfrm>
+      </p:grpSpPr>
+      <p:pic>
+        <p:nvPicPr>
+          <p:cNvPr id="3" name="Immagine 2" descr="Immagine che contiene screenshot&#10;&#10;Descrizione generata automaticamente">
+            <a:extLst>
+              <a:ext uri="{FF2B5EF4-FFF2-40B4-BE49-F238E27FC236}">
                 <a16:creationId xmlns:a16="http://schemas.microsoft.com/office/drawing/2014/main" id="{78992FC0-E7FA-4EC6-889E-9F8424289EBF}"/>
               </a:ext>
             </a:extLst>
@@ -3707,7 +3778,7 @@
 </p:sld>
 </file>
 
-<file path=ppt/slides/slide7.xml><?xml version="1.0" encoding="utf-8"?>
+<file path=ppt/slides/slide8.xml><?xml version="1.0" encoding="utf-8"?>
 <p:sld xmlns:a="http://schemas.openxmlformats.org/drawingml/2006/main" xmlns:r="http://schemas.openxmlformats.org/officeDocument/2006/relationships" xmlns:p="http://schemas.openxmlformats.org/presentationml/2006/main">
   <p:cSld>
     <p:spTree>
@@ -3764,72 +3835,6 @@
     <p:extLst>
       <p:ext uri="{BB962C8B-B14F-4D97-AF65-F5344CB8AC3E}">
         <p14:creationId xmlns:p14="http://schemas.microsoft.com/office/powerpoint/2010/main" val="2398586174"/>
-      </p:ext>
-    </p:extLst>
-  </p:cSld>
-  <p:clrMapOvr>
-    <a:masterClrMapping/>
-  </p:clrMapOvr>
-</p:sld>
-</file>
-
-<file path=ppt/slides/slide8.xml><?xml version="1.0" encoding="utf-8"?>
-<p:sld xmlns:a="http://schemas.openxmlformats.org/drawingml/2006/main" xmlns:r="http://schemas.openxmlformats.org/officeDocument/2006/relationships" xmlns:p="http://schemas.openxmlformats.org/presentationml/2006/main">
-  <p:cSld>
-    <p:spTree>
-      <p:nvGrpSpPr>
-        <p:cNvPr id="1" name=""/>
-        <p:cNvGrpSpPr/>
-        <p:nvPr/>
-      </p:nvGrpSpPr>
-      <p:grpSpPr>
-        <a:xfrm>
-          <a:off x="0" y="0"/>
-          <a:ext cx="0" cy="0"/>
-          <a:chOff x="0" y="0"/>
-          <a:chExt cx="0" cy="0"/>
-        </a:xfrm>
-      </p:grpSpPr>
-      <p:pic>
-        <p:nvPicPr>
-          <p:cNvPr id="3" name="Immagine 2" descr="Immagine che contiene screenshot&#10;&#10;Descrizione generata automaticamente">
-            <a:extLst>
-              <a:ext uri="{FF2B5EF4-FFF2-40B4-BE49-F238E27FC236}">
-                <a16:creationId xmlns:a16="http://schemas.microsoft.com/office/drawing/2014/main" id="{EC5DE5D8-B18F-4AE6-B701-1BB294A94478}"/>
-              </a:ext>
-            </a:extLst>
-          </p:cNvPr>
-          <p:cNvPicPr>
-            <a:picLocks noChangeAspect="1"/>
-          </p:cNvPicPr>
-          <p:nvPr/>
-        </p:nvPicPr>
-        <p:blipFill>
-          <a:blip r:embed="rId2">
-            <a:extLst>
-              <a:ext uri="{28A0092B-C50C-407E-A947-70E740481C1C}">
-                <a14:useLocalDpi xmlns:a14="http://schemas.microsoft.com/office/drawing/2010/main" val="0"/>
-              </a:ext>
-            </a:extLst>
-          </a:blip>
-          <a:stretch>
-            <a:fillRect/>
-          </a:stretch>
-        </p:blipFill>
-        <p:spPr>
-          <a:xfrm>
-            <a:off x="0" y="0"/>
-            <a:ext cx="12192000" cy="6858000"/>
-          </a:xfrm>
-          <a:prstGeom prst="rect">
-            <a:avLst/>
-          </a:prstGeom>
-        </p:spPr>
-      </p:pic>
-    </p:spTree>
-    <p:extLst>
-      <p:ext uri="{BB962C8B-B14F-4D97-AF65-F5344CB8AC3E}">
-        <p14:creationId xmlns:p14="http://schemas.microsoft.com/office/powerpoint/2010/main" val="2661278174"/>
       </p:ext>
     </p:extLst>
   </p:cSld>

--- a/Presentazione.pptx
+++ b/Presentazione.pptx
@@ -3493,7 +3493,7 @@
         </p:blipFill>
         <p:spPr>
           <a:xfrm>
-            <a:off x="0" y="0"/>
+            <a:off x="0" y="8546"/>
             <a:ext cx="12192000" cy="6858000"/>
           </a:xfrm>
           <a:prstGeom prst="rect">
@@ -3781,6 +3781,14 @@
 <file path=ppt/slides/slide8.xml><?xml version="1.0" encoding="utf-8"?>
 <p:sld xmlns:a="http://schemas.openxmlformats.org/drawingml/2006/main" xmlns:r="http://schemas.openxmlformats.org/officeDocument/2006/relationships" xmlns:p="http://schemas.openxmlformats.org/presentationml/2006/main">
   <p:cSld>
+    <p:bg>
+      <p:bgPr>
+        <a:solidFill>
+          <a:schemeClr val="bg1"/>
+        </a:solidFill>
+        <a:effectLst/>
+      </p:bgPr>
+    </p:bg>
     <p:spTree>
       <p:nvGrpSpPr>
         <p:cNvPr id="1" name=""/>
@@ -3831,6 +3839,159 @@
           </a:prstGeom>
         </p:spPr>
       </p:pic>
+      <p:sp>
+        <p:nvSpPr>
+          <p:cNvPr id="6" name="Rectangle 5">
+            <a:extLst>
+              <a:ext uri="{FF2B5EF4-FFF2-40B4-BE49-F238E27FC236}">
+                <a16:creationId xmlns:a16="http://schemas.microsoft.com/office/drawing/2014/main" id="{DFBC63DA-8C80-1544-BA3B-8EFDCEB629DD}"/>
+              </a:ext>
+            </a:extLst>
+          </p:cNvPr>
+          <p:cNvSpPr/>
+          <p:nvPr/>
+        </p:nvSpPr>
+        <p:spPr>
+          <a:xfrm>
+            <a:off x="9689549" y="4081437"/>
+            <a:ext cx="1709159" cy="2127902"/>
+          </a:xfrm>
+          <a:prstGeom prst="rect">
+            <a:avLst/>
+          </a:prstGeom>
+          <a:solidFill>
+            <a:schemeClr val="accent1">
+              <a:alpha val="0"/>
+            </a:schemeClr>
+          </a:solidFill>
+        </p:spPr>
+        <p:style>
+          <a:lnRef idx="2">
+            <a:schemeClr val="accent1">
+              <a:shade val="50000"/>
+            </a:schemeClr>
+          </a:lnRef>
+          <a:fillRef idx="1">
+            <a:schemeClr val="accent1"/>
+          </a:fillRef>
+          <a:effectRef idx="0">
+            <a:schemeClr val="accent1"/>
+          </a:effectRef>
+          <a:fontRef idx="minor">
+            <a:schemeClr val="lt1"/>
+          </a:fontRef>
+        </p:style>
+        <p:txBody>
+          <a:bodyPr rtlCol="0" anchor="ctr"/>
+          <a:lstStyle/>
+          <a:p>
+            <a:pPr algn="ctr"/>
+            <a:endParaRPr lang="en-IT" dirty="0"/>
+          </a:p>
+        </p:txBody>
+      </p:sp>
+      <p:sp>
+        <p:nvSpPr>
+          <p:cNvPr id="7" name="Rectangle 6">
+            <a:extLst>
+              <a:ext uri="{FF2B5EF4-FFF2-40B4-BE49-F238E27FC236}">
+                <a16:creationId xmlns:a16="http://schemas.microsoft.com/office/drawing/2014/main" id="{EF76C0DF-7D04-E646-A598-6A43B308C240}"/>
+              </a:ext>
+            </a:extLst>
+          </p:cNvPr>
+          <p:cNvSpPr/>
+          <p:nvPr/>
+        </p:nvSpPr>
+        <p:spPr>
+          <a:xfrm>
+            <a:off x="9504217" y="2863273"/>
+            <a:ext cx="2549237" cy="895927"/>
+          </a:xfrm>
+          <a:prstGeom prst="rect">
+            <a:avLst/>
+          </a:prstGeom>
+          <a:solidFill>
+            <a:schemeClr val="accent1">
+              <a:alpha val="0"/>
+            </a:schemeClr>
+          </a:solidFill>
+        </p:spPr>
+        <p:style>
+          <a:lnRef idx="2">
+            <a:schemeClr val="accent1">
+              <a:shade val="50000"/>
+            </a:schemeClr>
+          </a:lnRef>
+          <a:fillRef idx="1">
+            <a:schemeClr val="accent1"/>
+          </a:fillRef>
+          <a:effectRef idx="0">
+            <a:schemeClr val="accent1"/>
+          </a:effectRef>
+          <a:fontRef idx="minor">
+            <a:schemeClr val="lt1"/>
+          </a:fontRef>
+        </p:style>
+        <p:txBody>
+          <a:bodyPr rtlCol="0" anchor="ctr"/>
+          <a:lstStyle/>
+          <a:p>
+            <a:pPr algn="ctr"/>
+            <a:endParaRPr lang="en-IT" dirty="0"/>
+          </a:p>
+        </p:txBody>
+      </p:sp>
+      <p:sp>
+        <p:nvSpPr>
+          <p:cNvPr id="8" name="Rectangle 7">
+            <a:extLst>
+              <a:ext uri="{FF2B5EF4-FFF2-40B4-BE49-F238E27FC236}">
+                <a16:creationId xmlns:a16="http://schemas.microsoft.com/office/drawing/2014/main" id="{C839872A-8D4A-7949-990B-5A477DDB4A0B}"/>
+              </a:ext>
+            </a:extLst>
+          </p:cNvPr>
+          <p:cNvSpPr/>
+          <p:nvPr/>
+        </p:nvSpPr>
+        <p:spPr>
+          <a:xfrm>
+            <a:off x="9744966" y="891827"/>
+            <a:ext cx="1403326" cy="1795955"/>
+          </a:xfrm>
+          <a:prstGeom prst="rect">
+            <a:avLst/>
+          </a:prstGeom>
+          <a:solidFill>
+            <a:schemeClr val="accent1">
+              <a:alpha val="0"/>
+            </a:schemeClr>
+          </a:solidFill>
+        </p:spPr>
+        <p:style>
+          <a:lnRef idx="2">
+            <a:schemeClr val="accent1">
+              <a:shade val="50000"/>
+            </a:schemeClr>
+          </a:lnRef>
+          <a:fillRef idx="1">
+            <a:schemeClr val="accent1"/>
+          </a:fillRef>
+          <a:effectRef idx="0">
+            <a:schemeClr val="accent1"/>
+          </a:effectRef>
+          <a:fontRef idx="minor">
+            <a:schemeClr val="lt1"/>
+          </a:fontRef>
+        </p:style>
+        <p:txBody>
+          <a:bodyPr rtlCol="0" anchor="ctr"/>
+          <a:lstStyle/>
+          <a:p>
+            <a:pPr algn="ctr"/>
+            <a:endParaRPr lang="en-IT" dirty="0"/>
+          </a:p>
+        </p:txBody>
+      </p:sp>
     </p:spTree>
     <p:extLst>
       <p:ext uri="{BB962C8B-B14F-4D97-AF65-F5344CB8AC3E}">
